--- a/lectures/lecture-06/Lecture-Live B00/Lecture 06 - Lecture.pptx
+++ b/lectures/lecture-06/Lecture-Live B00/Lecture 06 - Lecture.pptx
@@ -862,7 +862,7 @@
           <a:p>
             <a:fld id="{3A2BF66F-FEB0-48C1-A8B9-A73F54BB1A08}" type="datetimeFigureOut">
               <a:rPr lang="en-US" smtClean="0"/>
-              <a:t>4/8/2021</a:t>
+              <a:t>4/9/2021</a:t>
             </a:fld>
             <a:endParaRPr lang="en-US" dirty="0"/>
           </a:p>
@@ -1070,7 +1070,7 @@
           <a:p>
             <a:fld id="{3A2BF66F-FEB0-48C1-A8B9-A73F54BB1A08}" type="datetimeFigureOut">
               <a:rPr lang="en-US" smtClean="0"/>
-              <a:t>4/8/2021</a:t>
+              <a:t>4/9/2021</a:t>
             </a:fld>
             <a:endParaRPr lang="en-US" dirty="0"/>
           </a:p>
@@ -1288,7 +1288,7 @@
           <a:p>
             <a:fld id="{3A2BF66F-FEB0-48C1-A8B9-A73F54BB1A08}" type="datetimeFigureOut">
               <a:rPr lang="en-US" smtClean="0"/>
-              <a:t>4/8/2021</a:t>
+              <a:t>4/9/2021</a:t>
             </a:fld>
             <a:endParaRPr lang="en-US" dirty="0"/>
           </a:p>
@@ -1496,7 +1496,7 @@
           <a:p>
             <a:fld id="{3A2BF66F-FEB0-48C1-A8B9-A73F54BB1A08}" type="datetimeFigureOut">
               <a:rPr lang="en-US" smtClean="0"/>
-              <a:t>4/8/2021</a:t>
+              <a:t>4/9/2021</a:t>
             </a:fld>
             <a:endParaRPr lang="en-US" dirty="0"/>
           </a:p>
@@ -1781,7 +1781,7 @@
           <a:p>
             <a:fld id="{3A2BF66F-FEB0-48C1-A8B9-A73F54BB1A08}" type="datetimeFigureOut">
               <a:rPr lang="en-US" smtClean="0"/>
-              <a:t>4/8/2021</a:t>
+              <a:t>4/9/2021</a:t>
             </a:fld>
             <a:endParaRPr lang="en-US" dirty="0"/>
           </a:p>
@@ -2056,7 +2056,7 @@
           <a:p>
             <a:fld id="{3A2BF66F-FEB0-48C1-A8B9-A73F54BB1A08}" type="datetimeFigureOut">
               <a:rPr lang="en-US" smtClean="0"/>
-              <a:t>4/8/2021</a:t>
+              <a:t>4/9/2021</a:t>
             </a:fld>
             <a:endParaRPr lang="en-US" dirty="0"/>
           </a:p>
@@ -2478,7 +2478,7 @@
           <a:p>
             <a:fld id="{3A2BF66F-FEB0-48C1-A8B9-A73F54BB1A08}" type="datetimeFigureOut">
               <a:rPr lang="en-US" smtClean="0"/>
-              <a:t>4/8/2021</a:t>
+              <a:t>4/9/2021</a:t>
             </a:fld>
             <a:endParaRPr lang="en-US" dirty="0"/>
           </a:p>
@@ -2629,7 +2629,7 @@
           <a:p>
             <a:fld id="{3A2BF66F-FEB0-48C1-A8B9-A73F54BB1A08}" type="datetimeFigureOut">
               <a:rPr lang="en-US" smtClean="0"/>
-              <a:t>4/8/2021</a:t>
+              <a:t>4/9/2021</a:t>
             </a:fld>
             <a:endParaRPr lang="en-US" dirty="0"/>
           </a:p>
@@ -2752,7 +2752,7 @@
           <a:p>
             <a:fld id="{3A2BF66F-FEB0-48C1-A8B9-A73F54BB1A08}" type="datetimeFigureOut">
               <a:rPr lang="en-US" smtClean="0"/>
-              <a:t>4/8/2021</a:t>
+              <a:t>4/9/2021</a:t>
             </a:fld>
             <a:endParaRPr lang="en-US" dirty="0"/>
           </a:p>
@@ -3072,7 +3072,7 @@
           <a:p>
             <a:fld id="{3A2BF66F-FEB0-48C1-A8B9-A73F54BB1A08}" type="datetimeFigureOut">
               <a:rPr lang="en-US" smtClean="0"/>
-              <a:t>4/8/2021</a:t>
+              <a:t>4/9/2021</a:t>
             </a:fld>
             <a:endParaRPr lang="en-US" dirty="0"/>
           </a:p>
@@ -3370,7 +3370,7 @@
           <a:p>
             <a:fld id="{3A2BF66F-FEB0-48C1-A8B9-A73F54BB1A08}" type="datetimeFigureOut">
               <a:rPr lang="en-US" smtClean="0"/>
-              <a:t>4/8/2021</a:t>
+              <a:t>4/9/2021</a:t>
             </a:fld>
             <a:endParaRPr lang="en-US" dirty="0"/>
           </a:p>
@@ -3621,7 +3621,7 @@
           <a:p>
             <a:fld id="{3A2BF66F-FEB0-48C1-A8B9-A73F54BB1A08}" type="datetimeFigureOut">
               <a:rPr lang="en-US" smtClean="0"/>
-              <a:t>4/8/2021</a:t>
+              <a:t>4/9/2021</a:t>
             </a:fld>
             <a:endParaRPr lang="en-US" dirty="0"/>
           </a:p>
@@ -4593,7 +4593,7 @@
             </a:r>
           </a:p>
           <a:p>
-            <a:pPr lvl="2"/>
+            <a:pPr lvl="3"/>
             <a:r>
               <a:rPr lang="en-US" dirty="0"/>
               <a:t>Says this.&lt;name&gt; = &lt;name&gt;;</a:t>
@@ -7885,7 +7885,7 @@
           <a:p>
             <a:r>
               <a:rPr lang="en-US" dirty="0"/>
-              <a:t>What’s different about these field definitions than field definitions we’ve written before?</a:t>
+              <a:t>What’s different about these field definitions than ones we’ve written before?</a:t>
             </a:r>
           </a:p>
           <a:p>
@@ -7972,7 +7972,7 @@
           <a:p>
             <a:r>
               <a:rPr lang="en-US" dirty="0"/>
-              <a:t>Every time we’ve written something before, we’ve had something on the right hand side</a:t>
+              <a:t>Every time we’ve written something before, we’ve had something on the right-hand side</a:t>
             </a:r>
           </a:p>
           <a:p>
